--- a/demo.pptx
+++ b/demo.pptx
@@ -291,6 +291,7 @@
           <a:p>
             <a:fld id="{454C89FD-3ED0-460F-B6DE-F7AB8DFAB79F}" type="datetimeFigureOut">
               <a:rPr lang="zh-TW" altLang="en-US" smtClean="0"/>
+              <a:pPr/>
               <a:t>2019/6/6</a:t>
             </a:fld>
             <a:endParaRPr lang="zh-TW" altLang="en-US"/>
@@ -333,6 +334,7 @@
           <a:p>
             <a:fld id="{F72D23DC-EE6F-4098-9029-37F30228423C}" type="slidenum">
               <a:rPr lang="zh-TW" altLang="en-US" smtClean="0"/>
+              <a:pPr/>
               <a:t>‹#›</a:t>
             </a:fld>
             <a:endParaRPr lang="zh-TW" altLang="en-US"/>
@@ -456,6 +458,7 @@
           <a:p>
             <a:fld id="{454C89FD-3ED0-460F-B6DE-F7AB8DFAB79F}" type="datetimeFigureOut">
               <a:rPr lang="zh-TW" altLang="en-US" smtClean="0"/>
+              <a:pPr/>
               <a:t>2019/6/6</a:t>
             </a:fld>
             <a:endParaRPr lang="zh-TW" altLang="en-US"/>
@@ -498,6 +501,7 @@
           <a:p>
             <a:fld id="{F72D23DC-EE6F-4098-9029-37F30228423C}" type="slidenum">
               <a:rPr lang="zh-TW" altLang="en-US" smtClean="0"/>
+              <a:pPr/>
               <a:t>‹#›</a:t>
             </a:fld>
             <a:endParaRPr lang="zh-TW" altLang="en-US"/>
@@ -631,6 +635,7 @@
           <a:p>
             <a:fld id="{454C89FD-3ED0-460F-B6DE-F7AB8DFAB79F}" type="datetimeFigureOut">
               <a:rPr lang="zh-TW" altLang="en-US" smtClean="0"/>
+              <a:pPr/>
               <a:t>2019/6/6</a:t>
             </a:fld>
             <a:endParaRPr lang="zh-TW" altLang="en-US"/>
@@ -673,6 +678,7 @@
           <a:p>
             <a:fld id="{F72D23DC-EE6F-4098-9029-37F30228423C}" type="slidenum">
               <a:rPr lang="zh-TW" altLang="en-US" smtClean="0"/>
+              <a:pPr/>
               <a:t>‹#›</a:t>
             </a:fld>
             <a:endParaRPr lang="zh-TW" altLang="en-US"/>
@@ -796,6 +802,7 @@
           <a:p>
             <a:fld id="{454C89FD-3ED0-460F-B6DE-F7AB8DFAB79F}" type="datetimeFigureOut">
               <a:rPr lang="zh-TW" altLang="en-US" smtClean="0"/>
+              <a:pPr/>
               <a:t>2019/6/6</a:t>
             </a:fld>
             <a:endParaRPr lang="zh-TW" altLang="en-US"/>
@@ -838,6 +845,7 @@
           <a:p>
             <a:fld id="{F72D23DC-EE6F-4098-9029-37F30228423C}" type="slidenum">
               <a:rPr lang="zh-TW" altLang="en-US" smtClean="0"/>
+              <a:pPr/>
               <a:t>‹#›</a:t>
             </a:fld>
             <a:endParaRPr lang="zh-TW" altLang="en-US"/>
@@ -1037,6 +1045,7 @@
           <a:p>
             <a:fld id="{454C89FD-3ED0-460F-B6DE-F7AB8DFAB79F}" type="datetimeFigureOut">
               <a:rPr lang="zh-TW" altLang="en-US" smtClean="0"/>
+              <a:pPr/>
               <a:t>2019/6/6</a:t>
             </a:fld>
             <a:endParaRPr lang="zh-TW" altLang="en-US"/>
@@ -1079,6 +1088,7 @@
           <a:p>
             <a:fld id="{F72D23DC-EE6F-4098-9029-37F30228423C}" type="slidenum">
               <a:rPr lang="zh-TW" altLang="en-US" smtClean="0"/>
+              <a:pPr/>
               <a:t>‹#›</a:t>
             </a:fld>
             <a:endParaRPr lang="zh-TW" altLang="en-US"/>
@@ -1320,6 +1330,7 @@
           <a:p>
             <a:fld id="{454C89FD-3ED0-460F-B6DE-F7AB8DFAB79F}" type="datetimeFigureOut">
               <a:rPr lang="zh-TW" altLang="en-US" smtClean="0"/>
+              <a:pPr/>
               <a:t>2019/6/6</a:t>
             </a:fld>
             <a:endParaRPr lang="zh-TW" altLang="en-US"/>
@@ -1362,6 +1373,7 @@
           <a:p>
             <a:fld id="{F72D23DC-EE6F-4098-9029-37F30228423C}" type="slidenum">
               <a:rPr lang="zh-TW" altLang="en-US" smtClean="0"/>
+              <a:pPr/>
               <a:t>‹#›</a:t>
             </a:fld>
             <a:endParaRPr lang="zh-TW" altLang="en-US"/>
@@ -1737,6 +1749,7 @@
           <a:p>
             <a:fld id="{454C89FD-3ED0-460F-B6DE-F7AB8DFAB79F}" type="datetimeFigureOut">
               <a:rPr lang="zh-TW" altLang="en-US" smtClean="0"/>
+              <a:pPr/>
               <a:t>2019/6/6</a:t>
             </a:fld>
             <a:endParaRPr lang="zh-TW" altLang="en-US"/>
@@ -1779,6 +1792,7 @@
           <a:p>
             <a:fld id="{F72D23DC-EE6F-4098-9029-37F30228423C}" type="slidenum">
               <a:rPr lang="zh-TW" altLang="en-US" smtClean="0"/>
+              <a:pPr/>
               <a:t>‹#›</a:t>
             </a:fld>
             <a:endParaRPr lang="zh-TW" altLang="en-US"/>
@@ -1850,6 +1864,7 @@
           <a:p>
             <a:fld id="{454C89FD-3ED0-460F-B6DE-F7AB8DFAB79F}" type="datetimeFigureOut">
               <a:rPr lang="zh-TW" altLang="en-US" smtClean="0"/>
+              <a:pPr/>
               <a:t>2019/6/6</a:t>
             </a:fld>
             <a:endParaRPr lang="zh-TW" altLang="en-US"/>
@@ -1892,6 +1907,7 @@
           <a:p>
             <a:fld id="{F72D23DC-EE6F-4098-9029-37F30228423C}" type="slidenum">
               <a:rPr lang="zh-TW" altLang="en-US" smtClean="0"/>
+              <a:pPr/>
               <a:t>‹#›</a:t>
             </a:fld>
             <a:endParaRPr lang="zh-TW" altLang="en-US"/>
@@ -1940,6 +1956,7 @@
           <a:p>
             <a:fld id="{454C89FD-3ED0-460F-B6DE-F7AB8DFAB79F}" type="datetimeFigureOut">
               <a:rPr lang="zh-TW" altLang="en-US" smtClean="0"/>
+              <a:pPr/>
               <a:t>2019/6/6</a:t>
             </a:fld>
             <a:endParaRPr lang="zh-TW" altLang="en-US"/>
@@ -1982,6 +1999,7 @@
           <a:p>
             <a:fld id="{F72D23DC-EE6F-4098-9029-37F30228423C}" type="slidenum">
               <a:rPr lang="zh-TW" altLang="en-US" smtClean="0"/>
+              <a:pPr/>
               <a:t>‹#›</a:t>
             </a:fld>
             <a:endParaRPr lang="zh-TW" altLang="en-US"/>
@@ -2212,6 +2230,7 @@
           <a:p>
             <a:fld id="{454C89FD-3ED0-460F-B6DE-F7AB8DFAB79F}" type="datetimeFigureOut">
               <a:rPr lang="zh-TW" altLang="en-US" smtClean="0"/>
+              <a:pPr/>
               <a:t>2019/6/6</a:t>
             </a:fld>
             <a:endParaRPr lang="zh-TW" altLang="en-US"/>
@@ -2254,6 +2273,7 @@
           <a:p>
             <a:fld id="{F72D23DC-EE6F-4098-9029-37F30228423C}" type="slidenum">
               <a:rPr lang="zh-TW" altLang="en-US" smtClean="0"/>
+              <a:pPr/>
               <a:t>‹#›</a:t>
             </a:fld>
             <a:endParaRPr lang="zh-TW" altLang="en-US"/>
@@ -2460,6 +2480,7 @@
           <a:p>
             <a:fld id="{454C89FD-3ED0-460F-B6DE-F7AB8DFAB79F}" type="datetimeFigureOut">
               <a:rPr lang="zh-TW" altLang="en-US" smtClean="0"/>
+              <a:pPr/>
               <a:t>2019/6/6</a:t>
             </a:fld>
             <a:endParaRPr lang="zh-TW" altLang="en-US"/>
@@ -2502,6 +2523,7 @@
           <a:p>
             <a:fld id="{F72D23DC-EE6F-4098-9029-37F30228423C}" type="slidenum">
               <a:rPr lang="zh-TW" altLang="en-US" smtClean="0"/>
+              <a:pPr/>
               <a:t>‹#›</a:t>
             </a:fld>
             <a:endParaRPr lang="zh-TW" altLang="en-US"/>
@@ -2668,6 +2690,7 @@
           <a:p>
             <a:fld id="{454C89FD-3ED0-460F-B6DE-F7AB8DFAB79F}" type="datetimeFigureOut">
               <a:rPr lang="zh-TW" altLang="en-US" smtClean="0"/>
+              <a:pPr/>
               <a:t>2019/6/6</a:t>
             </a:fld>
             <a:endParaRPr lang="zh-TW" altLang="en-US"/>
@@ -2746,6 +2769,7 @@
           <a:p>
             <a:fld id="{F72D23DC-EE6F-4098-9029-37F30228423C}" type="slidenum">
               <a:rPr lang="zh-TW" altLang="en-US" smtClean="0"/>
+              <a:pPr/>
               <a:t>‹#›</a:t>
             </a:fld>
             <a:endParaRPr lang="zh-TW" altLang="en-US"/>
@@ -4372,7 +4396,7 @@
           <a:p>
             <a:r>
               <a:rPr lang="zh-TW" altLang="en-US" dirty="0" smtClean="0"/>
-              <a:t>月營運狀況</a:t>
+              <a:t>區域</a:t>
             </a:r>
             <a:endParaRPr lang="zh-TW" altLang="en-US" dirty="0"/>
           </a:p>
@@ -4796,7 +4820,7 @@
           <a:p>
             <a:r>
               <a:rPr lang="zh-TW" altLang="en-US" dirty="0" smtClean="0"/>
-              <a:t>月營運狀況</a:t>
+              <a:t>品項</a:t>
             </a:r>
             <a:endParaRPr lang="zh-TW" altLang="en-US" dirty="0"/>
           </a:p>
